--- a/WHAT IS OPERATING SYSTEM.pptx
+++ b/WHAT IS OPERATING SYSTEM.pptx
@@ -8,12 +8,10 @@
     <p:sldId id="257" r:id="rId2"/>
     <p:sldId id="258" r:id="rId3"/>
     <p:sldId id="259" r:id="rId4"/>
-    <p:sldId id="260" r:id="rId5"/>
-    <p:sldId id="261" r:id="rId6"/>
-    <p:sldId id="262" r:id="rId7"/>
-    <p:sldId id="263" r:id="rId8"/>
-    <p:sldId id="264" r:id="rId9"/>
-    <p:sldId id="265" r:id="rId10"/>
+    <p:sldId id="262" r:id="rId5"/>
+    <p:sldId id="263" r:id="rId6"/>
+    <p:sldId id="266" r:id="rId7"/>
+    <p:sldId id="265" r:id="rId8"/>
   </p:sldIdLst>
   <p:sldSz cx="12192000" cy="6858000"/>
   <p:notesSz cx="6858000" cy="9144000"/>
@@ -251,7 +249,7 @@
           <a:p>
             <a:fld id="{3882FB08-A545-4BFC-B0BA-683BE1A3DA35}" type="datetimeFigureOut">
               <a:rPr lang="en-US" smtClean="0"/>
-              <a:t>3/19/2018</a:t>
+              <a:t>3/22/2018</a:t>
             </a:fld>
             <a:endParaRPr lang="en-US"/>
           </a:p>
@@ -421,7 +419,7 @@
           <a:p>
             <a:fld id="{3882FB08-A545-4BFC-B0BA-683BE1A3DA35}" type="datetimeFigureOut">
               <a:rPr lang="en-US" smtClean="0"/>
-              <a:t>3/19/2018</a:t>
+              <a:t>3/22/2018</a:t>
             </a:fld>
             <a:endParaRPr lang="en-US"/>
           </a:p>
@@ -601,7 +599,7 @@
           <a:p>
             <a:fld id="{3882FB08-A545-4BFC-B0BA-683BE1A3DA35}" type="datetimeFigureOut">
               <a:rPr lang="en-US" smtClean="0"/>
-              <a:t>3/19/2018</a:t>
+              <a:t>3/22/2018</a:t>
             </a:fld>
             <a:endParaRPr lang="en-US"/>
           </a:p>
@@ -771,7 +769,7 @@
           <a:p>
             <a:fld id="{3882FB08-A545-4BFC-B0BA-683BE1A3DA35}" type="datetimeFigureOut">
               <a:rPr lang="en-US" smtClean="0"/>
-              <a:t>3/19/2018</a:t>
+              <a:t>3/22/2018</a:t>
             </a:fld>
             <a:endParaRPr lang="en-US"/>
           </a:p>
@@ -1017,7 +1015,7 @@
           <a:p>
             <a:fld id="{3882FB08-A545-4BFC-B0BA-683BE1A3DA35}" type="datetimeFigureOut">
               <a:rPr lang="en-US" smtClean="0"/>
-              <a:t>3/19/2018</a:t>
+              <a:t>3/22/2018</a:t>
             </a:fld>
             <a:endParaRPr lang="en-US"/>
           </a:p>
@@ -1249,7 +1247,7 @@
           <a:p>
             <a:fld id="{3882FB08-A545-4BFC-B0BA-683BE1A3DA35}" type="datetimeFigureOut">
               <a:rPr lang="en-US" smtClean="0"/>
-              <a:t>3/19/2018</a:t>
+              <a:t>3/22/2018</a:t>
             </a:fld>
             <a:endParaRPr lang="en-US"/>
           </a:p>
@@ -1616,7 +1614,7 @@
           <a:p>
             <a:fld id="{3882FB08-A545-4BFC-B0BA-683BE1A3DA35}" type="datetimeFigureOut">
               <a:rPr lang="en-US" smtClean="0"/>
-              <a:t>3/19/2018</a:t>
+              <a:t>3/22/2018</a:t>
             </a:fld>
             <a:endParaRPr lang="en-US"/>
           </a:p>
@@ -1734,7 +1732,7 @@
           <a:p>
             <a:fld id="{3882FB08-A545-4BFC-B0BA-683BE1A3DA35}" type="datetimeFigureOut">
               <a:rPr lang="en-US" smtClean="0"/>
-              <a:t>3/19/2018</a:t>
+              <a:t>3/22/2018</a:t>
             </a:fld>
             <a:endParaRPr lang="en-US"/>
           </a:p>
@@ -1829,7 +1827,7 @@
           <a:p>
             <a:fld id="{3882FB08-A545-4BFC-B0BA-683BE1A3DA35}" type="datetimeFigureOut">
               <a:rPr lang="en-US" smtClean="0"/>
-              <a:t>3/19/2018</a:t>
+              <a:t>3/22/2018</a:t>
             </a:fld>
             <a:endParaRPr lang="en-US"/>
           </a:p>
@@ -2106,7 +2104,7 @@
           <a:p>
             <a:fld id="{3882FB08-A545-4BFC-B0BA-683BE1A3DA35}" type="datetimeFigureOut">
               <a:rPr lang="en-US" smtClean="0"/>
-              <a:t>3/19/2018</a:t>
+              <a:t>3/22/2018</a:t>
             </a:fld>
             <a:endParaRPr lang="en-US"/>
           </a:p>
@@ -2359,7 +2357,7 @@
           <a:p>
             <a:fld id="{3882FB08-A545-4BFC-B0BA-683BE1A3DA35}" type="datetimeFigureOut">
               <a:rPr lang="en-US" smtClean="0"/>
-              <a:t>3/19/2018</a:t>
+              <a:t>3/22/2018</a:t>
             </a:fld>
             <a:endParaRPr lang="en-US"/>
           </a:p>
@@ -2572,7 +2570,7 @@
           <a:p>
             <a:fld id="{3882FB08-A545-4BFC-B0BA-683BE1A3DA35}" type="datetimeFigureOut">
               <a:rPr lang="en-US" smtClean="0"/>
-              <a:t>3/19/2018</a:t>
+              <a:t>3/22/2018</a:t>
             </a:fld>
             <a:endParaRPr lang="en-US"/>
           </a:p>
@@ -3072,14 +3070,14 @@
                 <a:latin typeface="Arial" panose="020B0604020202020204" pitchFamily="34" charset="0"/>
                 <a:cs typeface="Arial" panose="020B0604020202020204" pitchFamily="34" charset="0"/>
               </a:rPr>
-              <a:t>computer </a:t>
+              <a:t>computer hardware</a:t>
             </a:r>
             <a:r>
               <a:rPr lang="en-US" dirty="0">
                 <a:latin typeface="Arial" panose="020B0604020202020204" pitchFamily="34" charset="0"/>
                 <a:cs typeface="Arial" panose="020B0604020202020204" pitchFamily="34" charset="0"/>
               </a:rPr>
-              <a:t>hardware and software resources and </a:t>
+              <a:t> and software resources and </a:t>
             </a:r>
             <a:r>
               <a:rPr lang="en-US" dirty="0" smtClean="0">
@@ -3623,706 +3621,6 @@
 </file>
 
 <file path=ppt/slides/slide4.xml><?xml version="1.0" encoding="utf-8"?>
-<p:sld xmlns:a="http://schemas.openxmlformats.org/drawingml/2006/main" xmlns:r="http://schemas.openxmlformats.org/officeDocument/2006/relationships" xmlns:p="http://schemas.openxmlformats.org/presentationml/2006/main">
-  <p:cSld>
-    <p:spTree>
-      <p:nvGrpSpPr>
-        <p:cNvPr id="1" name=""/>
-        <p:cNvGrpSpPr/>
-        <p:nvPr/>
-      </p:nvGrpSpPr>
-      <p:grpSpPr>
-        <a:xfrm>
-          <a:off x="0" y="0"/>
-          <a:ext cx="0" cy="0"/>
-          <a:chOff x="0" y="0"/>
-          <a:chExt cx="0" cy="0"/>
-        </a:xfrm>
-      </p:grpSpPr>
-      <p:sp>
-        <p:nvSpPr>
-          <p:cNvPr id="2" name="Title 1"/>
-          <p:cNvSpPr>
-            <a:spLocks noGrp="1"/>
-          </p:cNvSpPr>
-          <p:nvPr>
-            <p:ph type="title"/>
-          </p:nvPr>
-        </p:nvSpPr>
-        <p:spPr/>
-        <p:txBody>
-          <a:bodyPr/>
-          <a:lstStyle/>
-          <a:p>
-            <a:pPr algn="ctr"/>
-            <a:r>
-              <a:rPr lang="en-US" b="1" dirty="0" smtClean="0">
-                <a:latin typeface="Arial" panose="020B0604020202020204" pitchFamily="34" charset="0"/>
-                <a:cs typeface="Arial" panose="020B0604020202020204" pitchFamily="34" charset="0"/>
-              </a:rPr>
-              <a:t>ADVANTAGES OF WINDOWS OS</a:t>
-            </a:r>
-            <a:endParaRPr lang="en-US" b="1" dirty="0">
-              <a:latin typeface="Arial" panose="020B0604020202020204" pitchFamily="34" charset="0"/>
-              <a:cs typeface="Arial" panose="020B0604020202020204" pitchFamily="34" charset="0"/>
-            </a:endParaRPr>
-          </a:p>
-        </p:txBody>
-      </p:sp>
-      <p:sp>
-        <p:nvSpPr>
-          <p:cNvPr id="3" name="Content Placeholder 2"/>
-          <p:cNvSpPr>
-            <a:spLocks noGrp="1"/>
-          </p:cNvSpPr>
-          <p:nvPr>
-            <p:ph idx="1"/>
-          </p:nvPr>
-        </p:nvSpPr>
-        <p:spPr/>
-        <p:txBody>
-          <a:bodyPr/>
-          <a:lstStyle/>
-          <a:p>
-            <a:pPr marL="514350" indent="-514350">
-              <a:buFont typeface="+mj-lt"/>
-              <a:buAutoNum type="arabicPeriod"/>
-            </a:pPr>
-            <a:r>
-              <a:rPr lang="en-US" dirty="0">
-                <a:latin typeface="Arial" panose="020B0604020202020204" pitchFamily="34" charset="0"/>
-                <a:cs typeface="Arial" panose="020B0604020202020204" pitchFamily="34" charset="0"/>
-              </a:rPr>
-              <a:t>Ease of use</a:t>
-            </a:r>
-            <a:r>
-              <a:rPr lang="en-US" dirty="0" smtClean="0">
-                <a:latin typeface="Arial" panose="020B0604020202020204" pitchFamily="34" charset="0"/>
-                <a:cs typeface="Arial" panose="020B0604020202020204" pitchFamily="34" charset="0"/>
-              </a:rPr>
-              <a:t>.</a:t>
-            </a:r>
-          </a:p>
-          <a:p>
-            <a:pPr marL="514350" indent="-514350">
-              <a:buFont typeface="+mj-lt"/>
-              <a:buAutoNum type="arabicPeriod"/>
-            </a:pPr>
-            <a:r>
-              <a:rPr lang="en-US" dirty="0">
-                <a:latin typeface="Arial" panose="020B0604020202020204" pitchFamily="34" charset="0"/>
-                <a:cs typeface="Arial" panose="020B0604020202020204" pitchFamily="34" charset="0"/>
-              </a:rPr>
-              <a:t>Available software</a:t>
-            </a:r>
-            <a:r>
-              <a:rPr lang="en-US" dirty="0" smtClean="0">
-                <a:latin typeface="Arial" panose="020B0604020202020204" pitchFamily="34" charset="0"/>
-                <a:cs typeface="Arial" panose="020B0604020202020204" pitchFamily="34" charset="0"/>
-              </a:rPr>
-              <a:t>.</a:t>
-            </a:r>
-          </a:p>
-          <a:p>
-            <a:pPr marL="514350" indent="-514350">
-              <a:buFont typeface="+mj-lt"/>
-              <a:buAutoNum type="arabicPeriod"/>
-            </a:pPr>
-            <a:r>
-              <a:rPr lang="en-US" dirty="0">
-                <a:latin typeface="Arial" panose="020B0604020202020204" pitchFamily="34" charset="0"/>
-                <a:cs typeface="Arial" panose="020B0604020202020204" pitchFamily="34" charset="0"/>
-              </a:rPr>
-              <a:t>Backwards compatibility</a:t>
-            </a:r>
-            <a:r>
-              <a:rPr lang="en-US" dirty="0" smtClean="0">
-                <a:latin typeface="Arial" panose="020B0604020202020204" pitchFamily="34" charset="0"/>
-                <a:cs typeface="Arial" panose="020B0604020202020204" pitchFamily="34" charset="0"/>
-              </a:rPr>
-              <a:t>.</a:t>
-            </a:r>
-          </a:p>
-          <a:p>
-            <a:pPr marL="514350" indent="-514350">
-              <a:buFont typeface="+mj-lt"/>
-              <a:buAutoNum type="arabicPeriod"/>
-            </a:pPr>
-            <a:r>
-              <a:rPr lang="en-US" dirty="0">
-                <a:latin typeface="Arial" panose="020B0604020202020204" pitchFamily="34" charset="0"/>
-                <a:cs typeface="Arial" panose="020B0604020202020204" pitchFamily="34" charset="0"/>
-              </a:rPr>
-              <a:t>Support for new hardware</a:t>
-            </a:r>
-            <a:r>
-              <a:rPr lang="en-US" dirty="0" smtClean="0">
-                <a:latin typeface="Arial" panose="020B0604020202020204" pitchFamily="34" charset="0"/>
-                <a:cs typeface="Arial" panose="020B0604020202020204" pitchFamily="34" charset="0"/>
-              </a:rPr>
-              <a:t>.</a:t>
-            </a:r>
-          </a:p>
-          <a:p>
-            <a:pPr marL="514350" indent="-514350">
-              <a:buFont typeface="+mj-lt"/>
-              <a:buAutoNum type="arabicPeriod"/>
-            </a:pPr>
-            <a:r>
-              <a:rPr lang="en-US" dirty="0">
-                <a:latin typeface="Arial" panose="020B0604020202020204" pitchFamily="34" charset="0"/>
-                <a:cs typeface="Arial" panose="020B0604020202020204" pitchFamily="34" charset="0"/>
-              </a:rPr>
-              <a:t>Plug &amp; Play</a:t>
-            </a:r>
-            <a:r>
-              <a:rPr lang="en-US" dirty="0" smtClean="0">
-                <a:latin typeface="Arial" panose="020B0604020202020204" pitchFamily="34" charset="0"/>
-                <a:cs typeface="Arial" panose="020B0604020202020204" pitchFamily="34" charset="0"/>
-              </a:rPr>
-              <a:t>.</a:t>
-            </a:r>
-          </a:p>
-          <a:p>
-            <a:pPr marL="514350" indent="-514350">
-              <a:buFont typeface="+mj-lt"/>
-              <a:buAutoNum type="arabicPeriod"/>
-            </a:pPr>
-            <a:r>
-              <a:rPr lang="en-US" dirty="0">
-                <a:latin typeface="Arial" panose="020B0604020202020204" pitchFamily="34" charset="0"/>
-                <a:cs typeface="Arial" panose="020B0604020202020204" pitchFamily="34" charset="0"/>
-              </a:rPr>
-              <a:t>Games</a:t>
-            </a:r>
-            <a:r>
-              <a:rPr lang="en-US" dirty="0" smtClean="0">
-                <a:latin typeface="Arial" panose="020B0604020202020204" pitchFamily="34" charset="0"/>
-                <a:cs typeface="Arial" panose="020B0604020202020204" pitchFamily="34" charset="0"/>
-              </a:rPr>
-              <a:t>.</a:t>
-            </a:r>
-          </a:p>
-          <a:p>
-            <a:pPr marL="514350" indent="-514350">
-              <a:buFont typeface="+mj-lt"/>
-              <a:buAutoNum type="arabicPeriod"/>
-            </a:pPr>
-            <a:r>
-              <a:rPr lang="en-US" dirty="0">
-                <a:latin typeface="Arial" panose="020B0604020202020204" pitchFamily="34" charset="0"/>
-                <a:cs typeface="Arial" panose="020B0604020202020204" pitchFamily="34" charset="0"/>
-              </a:rPr>
-              <a:t>Compatibility with MS driven </a:t>
-            </a:r>
-            <a:r>
-              <a:rPr lang="en-US" dirty="0" smtClean="0">
-                <a:latin typeface="Arial" panose="020B0604020202020204" pitchFamily="34" charset="0"/>
-                <a:cs typeface="Arial" panose="020B0604020202020204" pitchFamily="34" charset="0"/>
-              </a:rPr>
-              <a:t>websites.</a:t>
-            </a:r>
-            <a:endParaRPr lang="en-US" dirty="0">
-              <a:latin typeface="Arial" panose="020B0604020202020204" pitchFamily="34" charset="0"/>
-              <a:cs typeface="Arial" panose="020B0604020202020204" pitchFamily="34" charset="0"/>
-            </a:endParaRPr>
-          </a:p>
-        </p:txBody>
-      </p:sp>
-      <p:pic>
-        <p:nvPicPr>
-          <p:cNvPr id="5" name="Picture 4"/>
-          <p:cNvPicPr>
-            <a:picLocks noChangeAspect="1"/>
-          </p:cNvPicPr>
-          <p:nvPr/>
-        </p:nvPicPr>
-        <p:blipFill>
-          <a:blip r:embed="rId2">
-            <a:extLst>
-              <a:ext uri="{28A0092B-C50C-407E-A947-70E740481C1C}">
-                <a14:useLocalDpi xmlns:a14="http://schemas.microsoft.com/office/drawing/2010/main" val="0"/>
-              </a:ext>
-            </a:extLst>
-          </a:blip>
-          <a:stretch>
-            <a:fillRect/>
-          </a:stretch>
-        </p:blipFill>
-        <p:spPr>
-          <a:xfrm>
-            <a:off x="8002878" y="1825625"/>
-            <a:ext cx="2857500" cy="2705100"/>
-          </a:xfrm>
-          <a:prstGeom prst="rect">
-            <a:avLst/>
-          </a:prstGeom>
-        </p:spPr>
-      </p:pic>
-    </p:spTree>
-    <p:extLst>
-      <p:ext uri="{BB962C8B-B14F-4D97-AF65-F5344CB8AC3E}">
-        <p14:creationId xmlns:p14="http://schemas.microsoft.com/office/powerpoint/2010/main" val="20577697"/>
-      </p:ext>
-    </p:extLst>
-  </p:cSld>
-  <p:clrMapOvr>
-    <a:masterClrMapping/>
-  </p:clrMapOvr>
-  <p:timing>
-    <p:tnLst>
-      <p:par>
-        <p:cTn id="1" dur="indefinite" restart="never" nodeType="tmRoot"/>
-      </p:par>
-    </p:tnLst>
-  </p:timing>
-</p:sld>
-</file>
-
-<file path=ppt/slides/slide5.xml><?xml version="1.0" encoding="utf-8"?>
-<p:sld xmlns:a="http://schemas.openxmlformats.org/drawingml/2006/main" xmlns:r="http://schemas.openxmlformats.org/officeDocument/2006/relationships" xmlns:p="http://schemas.openxmlformats.org/presentationml/2006/main">
-  <p:cSld>
-    <p:spTree>
-      <p:nvGrpSpPr>
-        <p:cNvPr id="1" name=""/>
-        <p:cNvGrpSpPr/>
-        <p:nvPr/>
-      </p:nvGrpSpPr>
-      <p:grpSpPr>
-        <a:xfrm>
-          <a:off x="0" y="0"/>
-          <a:ext cx="0" cy="0"/>
-          <a:chOff x="0" y="0"/>
-          <a:chExt cx="0" cy="0"/>
-        </a:xfrm>
-      </p:grpSpPr>
-      <p:sp>
-        <p:nvSpPr>
-          <p:cNvPr id="2" name="Title 1"/>
-          <p:cNvSpPr>
-            <a:spLocks noGrp="1"/>
-          </p:cNvSpPr>
-          <p:nvPr>
-            <p:ph type="title"/>
-          </p:nvPr>
-        </p:nvSpPr>
-        <p:spPr>
-          <a:xfrm>
-            <a:off x="838200" y="120426"/>
-            <a:ext cx="10515600" cy="1325563"/>
-          </a:xfrm>
-        </p:spPr>
-        <p:txBody>
-          <a:bodyPr/>
-          <a:lstStyle/>
-          <a:p>
-            <a:pPr algn="ctr"/>
-            <a:r>
-              <a:rPr lang="en-US" b="1" dirty="0">
-                <a:latin typeface="Arial" panose="020B0604020202020204" pitchFamily="34" charset="0"/>
-                <a:cs typeface="Arial" panose="020B0604020202020204" pitchFamily="34" charset="0"/>
-              </a:rPr>
-              <a:t>DISADVANTAGES OF WINDOWS OS</a:t>
-            </a:r>
-            <a:endParaRPr lang="en-US" dirty="0"/>
-          </a:p>
-        </p:txBody>
-      </p:sp>
-      <p:sp>
-        <p:nvSpPr>
-          <p:cNvPr id="3" name="Content Placeholder 2"/>
-          <p:cNvSpPr>
-            <a:spLocks noGrp="1"/>
-          </p:cNvSpPr>
-          <p:nvPr>
-            <p:ph sz="half" idx="1"/>
-          </p:nvPr>
-        </p:nvSpPr>
-        <p:spPr>
-          <a:xfrm>
-            <a:off x="838200" y="1445988"/>
-            <a:ext cx="5163355" cy="5315419"/>
-          </a:xfrm>
-        </p:spPr>
-        <p:txBody>
-          <a:bodyPr>
-            <a:normAutofit/>
-          </a:bodyPr>
-          <a:lstStyle/>
-          <a:p>
-            <a:pPr marL="514350" indent="-514350">
-              <a:buFont typeface="+mj-lt"/>
-              <a:buAutoNum type="arabicPeriod"/>
-            </a:pPr>
-            <a:r>
-              <a:rPr lang="en-US" dirty="0">
-                <a:latin typeface="Arial" panose="020B0604020202020204" pitchFamily="34" charset="0"/>
-                <a:cs typeface="Arial" panose="020B0604020202020204" pitchFamily="34" charset="0"/>
-              </a:rPr>
-              <a:t>High resource requirements</a:t>
-            </a:r>
-            <a:r>
-              <a:rPr lang="en-US" dirty="0" smtClean="0">
-                <a:latin typeface="Arial" panose="020B0604020202020204" pitchFamily="34" charset="0"/>
-                <a:cs typeface="Arial" panose="020B0604020202020204" pitchFamily="34" charset="0"/>
-              </a:rPr>
-              <a:t>.</a:t>
-            </a:r>
-          </a:p>
-          <a:p>
-            <a:pPr marL="514350" indent="-514350">
-              <a:buFont typeface="+mj-lt"/>
-              <a:buAutoNum type="arabicPeriod"/>
-            </a:pPr>
-            <a:r>
-              <a:rPr lang="en-US" dirty="0">
-                <a:latin typeface="Arial" panose="020B0604020202020204" pitchFamily="34" charset="0"/>
-                <a:cs typeface="Arial" panose="020B0604020202020204" pitchFamily="34" charset="0"/>
-              </a:rPr>
-              <a:t>Closed Source</a:t>
-            </a:r>
-            <a:r>
-              <a:rPr lang="en-US" dirty="0" smtClean="0">
-                <a:latin typeface="Arial" panose="020B0604020202020204" pitchFamily="34" charset="0"/>
-                <a:cs typeface="Arial" panose="020B0604020202020204" pitchFamily="34" charset="0"/>
-              </a:rPr>
-              <a:t>.</a:t>
-            </a:r>
-          </a:p>
-          <a:p>
-            <a:pPr marL="514350" indent="-514350">
-              <a:buFont typeface="+mj-lt"/>
-              <a:buAutoNum type="arabicPeriod"/>
-            </a:pPr>
-            <a:r>
-              <a:rPr lang="en-US" dirty="0">
-                <a:latin typeface="Arial" panose="020B0604020202020204" pitchFamily="34" charset="0"/>
-                <a:cs typeface="Arial" panose="020B0604020202020204" pitchFamily="34" charset="0"/>
-              </a:rPr>
-              <a:t>Poor security</a:t>
-            </a:r>
-            <a:r>
-              <a:rPr lang="en-US" dirty="0" smtClean="0">
-                <a:latin typeface="Arial" panose="020B0604020202020204" pitchFamily="34" charset="0"/>
-                <a:cs typeface="Arial" panose="020B0604020202020204" pitchFamily="34" charset="0"/>
-              </a:rPr>
-              <a:t>.</a:t>
-            </a:r>
-          </a:p>
-          <a:p>
-            <a:pPr marL="514350" indent="-514350">
-              <a:buFont typeface="+mj-lt"/>
-              <a:buAutoNum type="arabicPeriod"/>
-            </a:pPr>
-            <a:r>
-              <a:rPr lang="en-US" dirty="0">
-                <a:latin typeface="Arial" panose="020B0604020202020204" pitchFamily="34" charset="0"/>
-                <a:cs typeface="Arial" panose="020B0604020202020204" pitchFamily="34" charset="0"/>
-              </a:rPr>
-              <a:t>Virus susceptibility</a:t>
-            </a:r>
-            <a:r>
-              <a:rPr lang="en-US" dirty="0" smtClean="0">
-                <a:latin typeface="Arial" panose="020B0604020202020204" pitchFamily="34" charset="0"/>
-                <a:cs typeface="Arial" panose="020B0604020202020204" pitchFamily="34" charset="0"/>
-              </a:rPr>
-              <a:t>.</a:t>
-            </a:r>
-          </a:p>
-          <a:p>
-            <a:pPr marL="514350" indent="-514350">
-              <a:buFont typeface="+mj-lt"/>
-              <a:buAutoNum type="arabicPeriod"/>
-            </a:pPr>
-            <a:r>
-              <a:rPr lang="en-US" dirty="0">
-                <a:latin typeface="Arial" panose="020B0604020202020204" pitchFamily="34" charset="0"/>
-                <a:cs typeface="Arial" panose="020B0604020202020204" pitchFamily="34" charset="0"/>
-              </a:rPr>
-              <a:t>Outrageous license agreements</a:t>
-            </a:r>
-            <a:r>
-              <a:rPr lang="en-US" dirty="0" smtClean="0">
-                <a:latin typeface="Arial" panose="020B0604020202020204" pitchFamily="34" charset="0"/>
-                <a:cs typeface="Arial" panose="020B0604020202020204" pitchFamily="34" charset="0"/>
-              </a:rPr>
-              <a:t>.</a:t>
-            </a:r>
-          </a:p>
-          <a:p>
-            <a:pPr marL="514350" indent="-514350">
-              <a:buFont typeface="+mj-lt"/>
-              <a:buAutoNum type="arabicPeriod"/>
-            </a:pPr>
-            <a:r>
-              <a:rPr lang="en-US" dirty="0">
-                <a:latin typeface="Arial" panose="020B0604020202020204" pitchFamily="34" charset="0"/>
-                <a:cs typeface="Arial" panose="020B0604020202020204" pitchFamily="34" charset="0"/>
-              </a:rPr>
-              <a:t>Poor technical support</a:t>
-            </a:r>
-            <a:r>
-              <a:rPr lang="en-US" dirty="0" smtClean="0">
-                <a:latin typeface="Arial" panose="020B0604020202020204" pitchFamily="34" charset="0"/>
-                <a:cs typeface="Arial" panose="020B0604020202020204" pitchFamily="34" charset="0"/>
-              </a:rPr>
-              <a:t>.</a:t>
-            </a:r>
-          </a:p>
-          <a:p>
-            <a:pPr marL="514350" indent="-514350">
-              <a:buFont typeface="+mj-lt"/>
-              <a:buAutoNum type="arabicPeriod"/>
-            </a:pPr>
-            <a:r>
-              <a:rPr lang="en-US" dirty="0">
-                <a:latin typeface="Arial" panose="020B0604020202020204" pitchFamily="34" charset="0"/>
-                <a:cs typeface="Arial" panose="020B0604020202020204" pitchFamily="34" charset="0"/>
-              </a:rPr>
-              <a:t>Hostile treatment of legitimate users.</a:t>
-            </a:r>
-            <a:endParaRPr lang="en-US" dirty="0">
-              <a:latin typeface="Arial" panose="020B0604020202020204" pitchFamily="34" charset="0"/>
-              <a:cs typeface="Arial" panose="020B0604020202020204" pitchFamily="34" charset="0"/>
-            </a:endParaRPr>
-          </a:p>
-        </p:txBody>
-      </p:sp>
-      <p:sp>
-        <p:nvSpPr>
-          <p:cNvPr id="4" name="Content Placeholder 3"/>
-          <p:cNvSpPr>
-            <a:spLocks noGrp="1"/>
-          </p:cNvSpPr>
-          <p:nvPr>
-            <p:ph sz="half" idx="2"/>
-          </p:nvPr>
-        </p:nvSpPr>
-        <p:spPr>
-          <a:xfrm>
-            <a:off x="6091707" y="1313644"/>
-            <a:ext cx="5447763" cy="5241701"/>
-          </a:xfrm>
-        </p:spPr>
-        <p:txBody>
-          <a:bodyPr>
-            <a:normAutofit/>
-          </a:bodyPr>
-          <a:lstStyle/>
-          <a:p>
-            <a:pPr marL="514350" indent="-514350">
-              <a:buAutoNum type="arabicPeriod" startAt="8"/>
-            </a:pPr>
-            <a:r>
-              <a:rPr lang="en-US" dirty="0" smtClean="0">
-                <a:latin typeface="Arial" panose="020B0604020202020204" pitchFamily="34" charset="0"/>
-                <a:cs typeface="Arial" panose="020B0604020202020204" pitchFamily="34" charset="0"/>
-              </a:rPr>
-              <a:t>Extortionist </a:t>
-            </a:r>
-            <a:r>
-              <a:rPr lang="en-US" dirty="0">
-                <a:latin typeface="Arial" panose="020B0604020202020204" pitchFamily="34" charset="0"/>
-                <a:cs typeface="Arial" panose="020B0604020202020204" pitchFamily="34" charset="0"/>
-              </a:rPr>
-              <a:t>prices</a:t>
-            </a:r>
-            <a:r>
-              <a:rPr lang="en-US" dirty="0" smtClean="0">
-                <a:latin typeface="Arial" panose="020B0604020202020204" pitchFamily="34" charset="0"/>
-                <a:cs typeface="Arial" panose="020B0604020202020204" pitchFamily="34" charset="0"/>
-              </a:rPr>
-              <a:t>.</a:t>
-            </a:r>
-          </a:p>
-          <a:p>
-            <a:pPr marL="514350" indent="-514350">
-              <a:buAutoNum type="arabicPeriod" startAt="8"/>
-            </a:pPr>
-            <a:r>
-              <a:rPr lang="en-US" dirty="0">
-                <a:latin typeface="Arial" panose="020B0604020202020204" pitchFamily="34" charset="0"/>
-                <a:cs typeface="Arial" panose="020B0604020202020204" pitchFamily="34" charset="0"/>
-              </a:rPr>
-              <a:t>Additional expenses</a:t>
-            </a:r>
-            <a:r>
-              <a:rPr lang="en-US" dirty="0" smtClean="0">
-                <a:latin typeface="Arial" panose="020B0604020202020204" pitchFamily="34" charset="0"/>
-                <a:cs typeface="Arial" panose="020B0604020202020204" pitchFamily="34" charset="0"/>
-              </a:rPr>
-              <a:t>.</a:t>
-            </a:r>
-          </a:p>
-          <a:p>
-            <a:pPr marL="514350" indent="-514350">
-              <a:buAutoNum type="arabicPeriod" startAt="8"/>
-            </a:pPr>
-            <a:r>
-              <a:rPr lang="en-US" dirty="0">
-                <a:latin typeface="Arial" panose="020B0604020202020204" pitchFamily="34" charset="0"/>
-                <a:cs typeface="Arial" panose="020B0604020202020204" pitchFamily="34" charset="0"/>
-              </a:rPr>
-              <a:t>Poor stability</a:t>
-            </a:r>
-            <a:r>
-              <a:rPr lang="en-US" dirty="0" smtClean="0">
-                <a:latin typeface="Arial" panose="020B0604020202020204" pitchFamily="34" charset="0"/>
-                <a:cs typeface="Arial" panose="020B0604020202020204" pitchFamily="34" charset="0"/>
-              </a:rPr>
-              <a:t>.</a:t>
-            </a:r>
-          </a:p>
-          <a:p>
-            <a:pPr marL="514350" indent="-514350">
-              <a:buAutoNum type="arabicPeriod" startAt="8"/>
-            </a:pPr>
-            <a:r>
-              <a:rPr lang="en-US" dirty="0" smtClean="0">
-                <a:latin typeface="Arial" panose="020B0604020202020204" pitchFamily="34" charset="0"/>
-                <a:cs typeface="Arial" panose="020B0604020202020204" pitchFamily="34" charset="0"/>
-              </a:rPr>
-              <a:t>Poor </a:t>
-            </a:r>
-            <a:r>
-              <a:rPr lang="en-US" dirty="0">
-                <a:latin typeface="Arial" panose="020B0604020202020204" pitchFamily="34" charset="0"/>
-                <a:cs typeface="Arial" panose="020B0604020202020204" pitchFamily="34" charset="0"/>
-              </a:rPr>
-              <a:t>r</a:t>
-            </a:r>
-            <a:r>
-              <a:rPr lang="en-US" dirty="0" smtClean="0">
-                <a:latin typeface="Arial" panose="020B0604020202020204" pitchFamily="34" charset="0"/>
-                <a:cs typeface="Arial" panose="020B0604020202020204" pitchFamily="34" charset="0"/>
-              </a:rPr>
-              <a:t>emote access.</a:t>
-            </a:r>
-          </a:p>
-          <a:p>
-            <a:pPr marL="514350" indent="-514350">
-              <a:buAutoNum type="arabicPeriod" startAt="8"/>
-            </a:pPr>
-            <a:r>
-              <a:rPr lang="en-US" dirty="0">
-                <a:latin typeface="Arial" panose="020B0604020202020204" pitchFamily="34" charset="0"/>
-                <a:cs typeface="Arial" panose="020B0604020202020204" pitchFamily="34" charset="0"/>
-              </a:rPr>
-              <a:t>Backwards incompatible file formats</a:t>
-            </a:r>
-            <a:r>
-              <a:rPr lang="en-US" dirty="0" smtClean="0">
-                <a:latin typeface="Arial" panose="020B0604020202020204" pitchFamily="34" charset="0"/>
-                <a:cs typeface="Arial" panose="020B0604020202020204" pitchFamily="34" charset="0"/>
-              </a:rPr>
-              <a:t>.</a:t>
-            </a:r>
-          </a:p>
-          <a:p>
-            <a:pPr marL="514350" indent="-514350">
-              <a:buAutoNum type="arabicPeriod" startAt="8"/>
-            </a:pPr>
-            <a:r>
-              <a:rPr lang="en-US" dirty="0">
-                <a:latin typeface="Arial" panose="020B0604020202020204" pitchFamily="34" charset="0"/>
-                <a:cs typeface="Arial" panose="020B0604020202020204" pitchFamily="34" charset="0"/>
-              </a:rPr>
-              <a:t>Poor support for older hardware</a:t>
-            </a:r>
-            <a:r>
-              <a:rPr lang="en-US" dirty="0" smtClean="0">
-                <a:latin typeface="Arial" panose="020B0604020202020204" pitchFamily="34" charset="0"/>
-                <a:cs typeface="Arial" panose="020B0604020202020204" pitchFamily="34" charset="0"/>
-              </a:rPr>
-              <a:t>.</a:t>
-            </a:r>
-          </a:p>
-          <a:p>
-            <a:pPr marL="514350" indent="-514350">
-              <a:buAutoNum type="arabicPeriod" startAt="8"/>
-            </a:pPr>
-            <a:r>
-              <a:rPr lang="en-US" dirty="0">
-                <a:latin typeface="Arial" panose="020B0604020202020204" pitchFamily="34" charset="0"/>
-                <a:cs typeface="Arial" panose="020B0604020202020204" pitchFamily="34" charset="0"/>
-              </a:rPr>
-              <a:t>High Total Cost of Ownership (TCO).</a:t>
-            </a:r>
-            <a:endParaRPr lang="en-US" dirty="0" smtClean="0">
-              <a:latin typeface="Arial" panose="020B0604020202020204" pitchFamily="34" charset="0"/>
-              <a:cs typeface="Arial" panose="020B0604020202020204" pitchFamily="34" charset="0"/>
-            </a:endParaRPr>
-          </a:p>
-          <a:p>
-            <a:pPr marL="514350" indent="-514350">
-              <a:buAutoNum type="arabicPeriod" startAt="8"/>
-            </a:pPr>
-            <a:endParaRPr lang="en-US" dirty="0" smtClean="0"/>
-          </a:p>
-          <a:p>
-            <a:pPr marL="0" indent="0">
-              <a:buNone/>
-            </a:pPr>
-            <a:endParaRPr lang="en-US" dirty="0" smtClean="0"/>
-          </a:p>
-          <a:p>
-            <a:pPr marL="514350" indent="-514350">
-              <a:buAutoNum type="arabicPeriod" startAt="8"/>
-            </a:pPr>
-            <a:endParaRPr lang="en-US" dirty="0" smtClean="0"/>
-          </a:p>
-          <a:p>
-            <a:pPr marL="0" indent="0">
-              <a:buNone/>
-            </a:pPr>
-            <a:endParaRPr lang="en-US" dirty="0" smtClean="0"/>
-          </a:p>
-        </p:txBody>
-      </p:sp>
-      <p:pic>
-        <p:nvPicPr>
-          <p:cNvPr id="5" name="Picture 4"/>
-          <p:cNvPicPr>
-            <a:picLocks noChangeAspect="1"/>
-          </p:cNvPicPr>
-          <p:nvPr/>
-        </p:nvPicPr>
-        <p:blipFill>
-          <a:blip r:embed="rId2">
-            <a:extLst>
-              <a:ext uri="{28A0092B-C50C-407E-A947-70E740481C1C}">
-                <a14:useLocalDpi xmlns:a14="http://schemas.microsoft.com/office/drawing/2010/main" val="0"/>
-              </a:ext>
-            </a:extLst>
-          </a:blip>
-          <a:stretch>
-            <a:fillRect/>
-          </a:stretch>
-        </p:blipFill>
-        <p:spPr>
-          <a:xfrm>
-            <a:off x="10256680" y="1152121"/>
-            <a:ext cx="1789553" cy="1694110"/>
-          </a:xfrm>
-          <a:prstGeom prst="rect">
-            <a:avLst/>
-          </a:prstGeom>
-        </p:spPr>
-      </p:pic>
-    </p:spTree>
-    <p:extLst>
-      <p:ext uri="{BB962C8B-B14F-4D97-AF65-F5344CB8AC3E}">
-        <p14:creationId xmlns:p14="http://schemas.microsoft.com/office/powerpoint/2010/main" val="178174638"/>
-      </p:ext>
-    </p:extLst>
-  </p:cSld>
-  <p:clrMapOvr>
-    <a:masterClrMapping/>
-  </p:clrMapOvr>
-</p:sld>
-</file>
-
-<file path=ppt/slides/slide6.xml><?xml version="1.0" encoding="utf-8"?>
 <p:sld xmlns:a="http://schemas.openxmlformats.org/drawingml/2006/main" xmlns:r="http://schemas.openxmlformats.org/officeDocument/2006/relationships" xmlns:p="http://schemas.openxmlformats.org/presentationml/2006/main">
   <p:cSld>
     <p:spTree>
@@ -4554,7 +3852,7 @@
 </p:sld>
 </file>
 
-<file path=ppt/slides/slide7.xml><?xml version="1.0" encoding="utf-8"?>
+<file path=ppt/slides/slide5.xml><?xml version="1.0" encoding="utf-8"?>
 <p:sld xmlns:a="http://schemas.openxmlformats.org/drawingml/2006/main" xmlns:r="http://schemas.openxmlformats.org/officeDocument/2006/relationships" xmlns:p="http://schemas.openxmlformats.org/presentationml/2006/main">
   <p:cSld>
     <p:spTree>
@@ -4658,7 +3956,7 @@
 </p:sld>
 </file>
 
-<file path=ppt/slides/slide8.xml><?xml version="1.0" encoding="utf-8"?>
+<file path=ppt/slides/slide6.xml><?xml version="1.0" encoding="utf-8"?>
 <p:sld xmlns:a="http://schemas.openxmlformats.org/drawingml/2006/main" xmlns:r="http://schemas.openxmlformats.org/officeDocument/2006/relationships" xmlns:p="http://schemas.openxmlformats.org/presentationml/2006/main">
   <p:cSld>
     <p:spTree>
@@ -4675,211 +3973,39 @@
           <a:chExt cx="0" cy="0"/>
         </a:xfrm>
       </p:grpSpPr>
-      <p:sp>
-        <p:nvSpPr>
-          <p:cNvPr id="2" name="Title 1"/>
-          <p:cNvSpPr>
-            <a:spLocks noGrp="1"/>
-          </p:cNvSpPr>
-          <p:nvPr>
-            <p:ph type="title"/>
-          </p:nvPr>
-        </p:nvSpPr>
-        <p:spPr/>
-        <p:txBody>
-          <a:bodyPr/>
-          <a:lstStyle/>
-          <a:p>
-            <a:pPr algn="ctr"/>
-            <a:r>
-              <a:rPr lang="en-US" b="1" dirty="0">
-                <a:latin typeface="Arial" panose="020B0604020202020204" pitchFamily="34" charset="0"/>
-                <a:cs typeface="Arial" panose="020B0604020202020204" pitchFamily="34" charset="0"/>
-              </a:rPr>
-              <a:t>Versions of </a:t>
-            </a:r>
-            <a:r>
-              <a:rPr lang="en-US" b="1" dirty="0" smtClean="0">
-                <a:latin typeface="Arial" panose="020B0604020202020204" pitchFamily="34" charset="0"/>
-                <a:cs typeface="Arial" panose="020B0604020202020204" pitchFamily="34" charset="0"/>
-              </a:rPr>
-              <a:t>Server OS</a:t>
-            </a:r>
-            <a:endParaRPr lang="en-US" dirty="0"/>
-          </a:p>
-        </p:txBody>
-      </p:sp>
-      <p:sp>
-        <p:nvSpPr>
-          <p:cNvPr id="3" name="Content Placeholder 2"/>
-          <p:cNvSpPr>
-            <a:spLocks noGrp="1"/>
-          </p:cNvSpPr>
+      <p:pic>
+        <p:nvPicPr>
+          <p:cNvPr id="4" name="Content Placeholder 3"/>
+          <p:cNvPicPr>
+            <a:picLocks noGrp="1" noChangeAspect="1"/>
+          </p:cNvPicPr>
           <p:nvPr>
             <p:ph idx="1"/>
           </p:nvPr>
-        </p:nvSpPr>
-        <p:spPr/>
-        <p:txBody>
-          <a:bodyPr/>
-          <a:lstStyle/>
-          <a:p>
-            <a:r>
-              <a:rPr lang="en-US" dirty="0" smtClean="0">
-                <a:latin typeface="Arial" panose="020B0604020202020204" pitchFamily="34" charset="0"/>
-                <a:cs typeface="Arial" panose="020B0604020202020204" pitchFamily="34" charset="0"/>
-              </a:rPr>
-              <a:t>Windows Server 2003 (April 2003)</a:t>
-            </a:r>
-          </a:p>
-          <a:p>
-            <a:r>
-              <a:rPr lang="en-US" dirty="0" smtClean="0">
-                <a:latin typeface="Arial" panose="020B0604020202020204" pitchFamily="34" charset="0"/>
-                <a:cs typeface="Arial" panose="020B0604020202020204" pitchFamily="34" charset="0"/>
-              </a:rPr>
-              <a:t>Windows Server 2003 R2 (</a:t>
-            </a:r>
-            <a:r>
-              <a:rPr lang="en-US" dirty="0">
-                <a:latin typeface="Arial" panose="020B0604020202020204" pitchFamily="34" charset="0"/>
-                <a:cs typeface="Arial" panose="020B0604020202020204" pitchFamily="34" charset="0"/>
-              </a:rPr>
-              <a:t>December</a:t>
-            </a:r>
-            <a:r>
-              <a:rPr lang="en-US" dirty="0" smtClean="0">
-                <a:latin typeface="Arial" panose="020B0604020202020204" pitchFamily="34" charset="0"/>
-                <a:cs typeface="Arial" panose="020B0604020202020204" pitchFamily="34" charset="0"/>
-              </a:rPr>
-              <a:t> 2005)</a:t>
-            </a:r>
-          </a:p>
-          <a:p>
-            <a:r>
-              <a:rPr lang="en-US" dirty="0" smtClean="0">
-                <a:latin typeface="Arial" panose="020B0604020202020204" pitchFamily="34" charset="0"/>
-                <a:cs typeface="Arial" panose="020B0604020202020204" pitchFamily="34" charset="0"/>
-              </a:rPr>
-              <a:t>Windows Server 2008 </a:t>
-            </a:r>
-            <a:r>
-              <a:rPr lang="en-US" dirty="0">
-                <a:latin typeface="Arial" panose="020B0604020202020204" pitchFamily="34" charset="0"/>
-                <a:cs typeface="Arial" panose="020B0604020202020204" pitchFamily="34" charset="0"/>
-              </a:rPr>
-              <a:t>(February 2008)</a:t>
-            </a:r>
-            <a:endParaRPr lang="en-US" dirty="0" smtClean="0">
-              <a:latin typeface="Arial" panose="020B0604020202020204" pitchFamily="34" charset="0"/>
-              <a:cs typeface="Arial" panose="020B0604020202020204" pitchFamily="34" charset="0"/>
-            </a:endParaRPr>
-          </a:p>
-          <a:p>
-            <a:r>
-              <a:rPr lang="en-US" dirty="0" smtClean="0">
-                <a:latin typeface="Arial" panose="020B0604020202020204" pitchFamily="34" charset="0"/>
-                <a:cs typeface="Arial" panose="020B0604020202020204" pitchFamily="34" charset="0"/>
-              </a:rPr>
-              <a:t>Windows Server 2008 R2 </a:t>
-            </a:r>
-            <a:r>
-              <a:rPr lang="en-US" dirty="0">
-                <a:latin typeface="Arial" panose="020B0604020202020204" pitchFamily="34" charset="0"/>
-                <a:cs typeface="Arial" panose="020B0604020202020204" pitchFamily="34" charset="0"/>
-              </a:rPr>
-              <a:t>(July 2009)</a:t>
-            </a:r>
-            <a:endParaRPr lang="en-US" dirty="0" smtClean="0">
-              <a:latin typeface="Arial" panose="020B0604020202020204" pitchFamily="34" charset="0"/>
-              <a:cs typeface="Arial" panose="020B0604020202020204" pitchFamily="34" charset="0"/>
-            </a:endParaRPr>
-          </a:p>
-          <a:p>
-            <a:r>
-              <a:rPr lang="en-US" dirty="0" smtClean="0">
-                <a:latin typeface="Arial" panose="020B0604020202020204" pitchFamily="34" charset="0"/>
-                <a:cs typeface="Arial" panose="020B0604020202020204" pitchFamily="34" charset="0"/>
-              </a:rPr>
-              <a:t>Windows Server 2012 </a:t>
-            </a:r>
-            <a:r>
-              <a:rPr lang="en-US" dirty="0">
-                <a:latin typeface="Arial" panose="020B0604020202020204" pitchFamily="34" charset="0"/>
-                <a:cs typeface="Arial" panose="020B0604020202020204" pitchFamily="34" charset="0"/>
-              </a:rPr>
-              <a:t>(August 2012)</a:t>
-            </a:r>
-            <a:endParaRPr lang="en-US" dirty="0" smtClean="0">
-              <a:latin typeface="Arial" panose="020B0604020202020204" pitchFamily="34" charset="0"/>
-              <a:cs typeface="Arial" panose="020B0604020202020204" pitchFamily="34" charset="0"/>
-            </a:endParaRPr>
-          </a:p>
-          <a:p>
-            <a:r>
-              <a:rPr lang="en-US" dirty="0" smtClean="0">
-                <a:latin typeface="Arial" panose="020B0604020202020204" pitchFamily="34" charset="0"/>
-                <a:cs typeface="Arial" panose="020B0604020202020204" pitchFamily="34" charset="0"/>
-              </a:rPr>
-              <a:t>Windows Server 2012 R2 </a:t>
-            </a:r>
-            <a:r>
-              <a:rPr lang="en-US" dirty="0">
-                <a:latin typeface="Arial" panose="020B0604020202020204" pitchFamily="34" charset="0"/>
-                <a:cs typeface="Arial" panose="020B0604020202020204" pitchFamily="34" charset="0"/>
-              </a:rPr>
-              <a:t>(October 2013)</a:t>
-            </a:r>
-            <a:endParaRPr lang="en-US" dirty="0" smtClean="0">
-              <a:latin typeface="Arial" panose="020B0604020202020204" pitchFamily="34" charset="0"/>
-              <a:cs typeface="Arial" panose="020B0604020202020204" pitchFamily="34" charset="0"/>
-            </a:endParaRPr>
-          </a:p>
-          <a:p>
-            <a:r>
-              <a:rPr lang="en-US" dirty="0" smtClean="0">
-                <a:latin typeface="Arial" panose="020B0604020202020204" pitchFamily="34" charset="0"/>
-                <a:cs typeface="Arial" panose="020B0604020202020204" pitchFamily="34" charset="0"/>
-              </a:rPr>
-              <a:t>Windows Server 2016 </a:t>
-            </a:r>
-            <a:r>
-              <a:rPr lang="en-US" dirty="0">
-                <a:latin typeface="Arial" panose="020B0604020202020204" pitchFamily="34" charset="0"/>
-                <a:cs typeface="Arial" panose="020B0604020202020204" pitchFamily="34" charset="0"/>
-              </a:rPr>
-              <a:t>(September 2016</a:t>
-            </a:r>
-            <a:r>
-              <a:rPr lang="en-US" dirty="0" smtClean="0">
-                <a:latin typeface="Arial" panose="020B0604020202020204" pitchFamily="34" charset="0"/>
-                <a:cs typeface="Arial" panose="020B0604020202020204" pitchFamily="34" charset="0"/>
-              </a:rPr>
-              <a:t>)</a:t>
-            </a:r>
-          </a:p>
-          <a:p>
-            <a:r>
-              <a:rPr lang="en-US" dirty="0">
-                <a:latin typeface="Arial" panose="020B0604020202020204" pitchFamily="34" charset="0"/>
-                <a:cs typeface="Arial" panose="020B0604020202020204" pitchFamily="34" charset="0"/>
-              </a:rPr>
-              <a:t>Windows Server version 1709 (September 2017)</a:t>
-            </a:r>
-            <a:endParaRPr lang="en-US" dirty="0" smtClean="0">
-              <a:latin typeface="Arial" panose="020B0604020202020204" pitchFamily="34" charset="0"/>
-              <a:cs typeface="Arial" panose="020B0604020202020204" pitchFamily="34" charset="0"/>
-            </a:endParaRPr>
-          </a:p>
-          <a:p>
-            <a:endParaRPr lang="en-US" dirty="0"/>
-          </a:p>
-        </p:txBody>
-      </p:sp>
+        </p:nvPicPr>
+        <p:blipFill>
+          <a:blip r:embed="rId2">
+            <a:extLst>
+              <a:ext uri="{28A0092B-C50C-407E-A947-70E740481C1C}">
+                <a14:useLocalDpi xmlns:a14="http://schemas.microsoft.com/office/drawing/2010/main" val="0"/>
+              </a:ext>
+            </a:extLst>
+          </a:blip>
+          <a:stretch>
+            <a:fillRect/>
+          </a:stretch>
+        </p:blipFill>
+        <p:spPr>
+          <a:xfrm>
+            <a:off x="302654" y="309093"/>
+            <a:ext cx="11212508" cy="6130344"/>
+          </a:xfrm>
+        </p:spPr>
+      </p:pic>
     </p:spTree>
     <p:extLst>
       <p:ext uri="{BB962C8B-B14F-4D97-AF65-F5344CB8AC3E}">
-        <p14:creationId xmlns:p14="http://schemas.microsoft.com/office/powerpoint/2010/main" val="2151479286"/>
+        <p14:creationId xmlns:p14="http://schemas.microsoft.com/office/powerpoint/2010/main" val="429210318"/>
       </p:ext>
     </p:extLst>
   </p:cSld>
@@ -4889,7 +4015,7 @@
 </p:sld>
 </file>
 
-<file path=ppt/slides/slide9.xml><?xml version="1.0" encoding="utf-8"?>
+<file path=ppt/slides/slide7.xml><?xml version="1.0" encoding="utf-8"?>
 <p:sld xmlns:a="http://schemas.openxmlformats.org/drawingml/2006/main" xmlns:r="http://schemas.openxmlformats.org/officeDocument/2006/relationships" xmlns:p="http://schemas.openxmlformats.org/presentationml/2006/main">
   <p:cSld>
     <p:spTree>
@@ -5089,10 +4215,6 @@
               </a:rPr>
               <a:t>RDP 7</a:t>
             </a:r>
-            <a:endParaRPr lang="en-US" dirty="0">
-              <a:latin typeface="Arial" panose="020B0604020202020204" pitchFamily="34" charset="0"/>
-              <a:cs typeface="Arial" panose="020B0604020202020204" pitchFamily="34" charset="0"/>
-            </a:endParaRPr>
           </a:p>
         </p:txBody>
       </p:sp>
